--- a/Week_3/[전산구조해석]_17415009_서보근_3주차_실험_강의.pptx
+++ b/Week_3/[전산구조해석]_17415009_서보근_3주차_실험_강의.pptx
@@ -9298,8 +9298,8 @@
           </p:txBody>
         </p:sp>
       </p:grpSp>
-      <mc:AlternateContent xmlns:mc="http://schemas.openxmlformats.org/markup-compatibility/2006">
-        <mc:Choice xmlns:p14="http://schemas.microsoft.com/office/powerpoint/2010/main" Requires="p14">
+      <mc:AlternateContent xmlns:mc="http://schemas.openxmlformats.org/markup-compatibility/2006" xmlns:p14="http://schemas.microsoft.com/office/powerpoint/2010/main">
+        <mc:Choice Requires="p14">
           <p:contentPart p14:bwMode="auto" r:id="rId10">
             <p14:nvContentPartPr>
               <p14:cNvPr id="38" name="잉크 37">
@@ -9318,7 +9318,7 @@
             </p14:xfrm>
           </p:contentPart>
         </mc:Choice>
-        <mc:Fallback>
+        <mc:Fallback xmlns="">
           <p:pic>
             <p:nvPicPr>
               <p:cNvPr id="38" name="잉크 37">
@@ -9349,8 +9349,8 @@
           </p:pic>
         </mc:Fallback>
       </mc:AlternateContent>
-      <mc:AlternateContent xmlns:mc="http://schemas.openxmlformats.org/markup-compatibility/2006">
-        <mc:Choice xmlns:p14="http://schemas.microsoft.com/office/powerpoint/2010/main" Requires="p14">
+      <mc:AlternateContent xmlns:mc="http://schemas.openxmlformats.org/markup-compatibility/2006" xmlns:p14="http://schemas.microsoft.com/office/powerpoint/2010/main">
+        <mc:Choice Requires="p14">
           <p:contentPart p14:bwMode="auto" r:id="rId12">
             <p14:nvContentPartPr>
               <p14:cNvPr id="40" name="잉크 39">
@@ -9369,7 +9369,7 @@
             </p14:xfrm>
           </p:contentPart>
         </mc:Choice>
-        <mc:Fallback>
+        <mc:Fallback xmlns="">
           <p:pic>
             <p:nvPicPr>
               <p:cNvPr id="40" name="잉크 39">
@@ -9400,8 +9400,8 @@
           </p:pic>
         </mc:Fallback>
       </mc:AlternateContent>
-      <mc:AlternateContent xmlns:mc="http://schemas.openxmlformats.org/markup-compatibility/2006">
-        <mc:Choice xmlns:p14="http://schemas.microsoft.com/office/powerpoint/2010/main" Requires="p14">
+      <mc:AlternateContent xmlns:mc="http://schemas.openxmlformats.org/markup-compatibility/2006" xmlns:p14="http://schemas.microsoft.com/office/powerpoint/2010/main">
+        <mc:Choice Requires="p14">
           <p:contentPart p14:bwMode="auto" r:id="rId14">
             <p14:nvContentPartPr>
               <p14:cNvPr id="43" name="잉크 42">
@@ -9420,7 +9420,7 @@
             </p14:xfrm>
           </p:contentPart>
         </mc:Choice>
-        <mc:Fallback>
+        <mc:Fallback xmlns="">
           <p:pic>
             <p:nvPicPr>
               <p:cNvPr id="43" name="잉크 42">
@@ -9451,8 +9451,8 @@
           </p:pic>
         </mc:Fallback>
       </mc:AlternateContent>
-      <mc:AlternateContent xmlns:mc="http://schemas.openxmlformats.org/markup-compatibility/2006">
-        <mc:Choice xmlns:p14="http://schemas.microsoft.com/office/powerpoint/2010/main" Requires="p14">
+      <mc:AlternateContent xmlns:mc="http://schemas.openxmlformats.org/markup-compatibility/2006" xmlns:p14="http://schemas.microsoft.com/office/powerpoint/2010/main">
+        <mc:Choice Requires="p14">
           <p:contentPart p14:bwMode="auto" r:id="rId16">
             <p14:nvContentPartPr>
               <p14:cNvPr id="48" name="잉크 47">
@@ -9471,7 +9471,7 @@
             </p14:xfrm>
           </p:contentPart>
         </mc:Choice>
-        <mc:Fallback>
+        <mc:Fallback xmlns="">
           <p:pic>
             <p:nvPicPr>
               <p:cNvPr id="48" name="잉크 47">
